--- a/ties4911-task04-YanrenQu.pptx
+++ b/ties4911-task04-YanrenQu.pptx
@@ -15,6 +15,7 @@
     <p:sldId id="271" r:id="rId9"/>
     <p:sldId id="277" r:id="rId10"/>
     <p:sldId id="278" r:id="rId11"/>
+    <p:sldId id="279" r:id="rId12"/>
   </p:sldIdLst>
   <p:sldSz cx="12192000" cy="6858000"/>
   <p:notesSz cx="6858000" cy="9144000"/>
@@ -4137,7 +4138,320 @@
         </p:nvSpPr>
         <p:spPr>
           <a:xfrm>
-            <a:off x="763319" y="2138558"/>
+            <a:off x="614265" y="1580665"/>
+            <a:ext cx="9668069" cy="4570153"/>
+          </a:xfrm>
+          <a:prstGeom prst="rect">
+            <a:avLst/>
+          </a:prstGeom>
+        </p:spPr>
+        <p:txBody>
+          <a:bodyPr/>
+          <a:lstStyle/>
+          <a:p>
+            <a:pPr marL="742950" indent="-742950" defTabSz="822960">
+              <a:spcAft>
+                <a:spcPts val="600"/>
+              </a:spcAft>
+              <a:buAutoNum type="arabicPeriod"/>
+            </a:pPr>
+            <a:r>
+              <a:rPr lang="en-US" altLang="zh-CN" sz="2400" dirty="0"/>
+              <a:t>Model modified from previous pretrained </a:t>
+            </a:r>
+            <a:r>
+              <a:rPr lang="en-US" altLang="zh-CN" sz="2400" dirty="0" err="1"/>
+              <a:t>modelChange</a:t>
+            </a:r>
+            <a:r>
+              <a:rPr lang="en-US" altLang="zh-CN" sz="2400" dirty="0"/>
+              <a:t> </a:t>
+            </a:r>
+          </a:p>
+          <a:p>
+            <a:pPr marL="742950" indent="-742950" defTabSz="822960">
+              <a:spcAft>
+                <a:spcPts val="600"/>
+              </a:spcAft>
+              <a:buAutoNum type="arabicPeriod"/>
+            </a:pPr>
+            <a:r>
+              <a:rPr lang="en-US" altLang="zh-CN" sz="2400" dirty="0"/>
+              <a:t>loss function from </a:t>
+            </a:r>
+            <a:r>
+              <a:rPr lang="en-US" altLang="zh-CN" sz="2400" dirty="0" err="1"/>
+              <a:t>Softmax</a:t>
+            </a:r>
+            <a:r>
+              <a:rPr lang="en-US" altLang="zh-CN" sz="2400" dirty="0"/>
+              <a:t> CE to BCE with logits(BCE with sigmoid)</a:t>
+            </a:r>
+          </a:p>
+          <a:p>
+            <a:pPr marL="742950" indent="-742950" defTabSz="822960">
+              <a:spcAft>
+                <a:spcPts val="600"/>
+              </a:spcAft>
+              <a:buAutoNum type="arabicPeriod"/>
+            </a:pPr>
+            <a:r>
+              <a:rPr lang="en-US" altLang="zh-CN" sz="2400" dirty="0"/>
+              <a:t>Evaluation method changes from Acc to </a:t>
+            </a:r>
+            <a:r>
+              <a:rPr lang="en-US" altLang="zh-CN" sz="2400" dirty="0" err="1"/>
+              <a:t>mAP</a:t>
+            </a:r>
+            <a:endParaRPr lang="en-US" altLang="zh-CN" sz="2400" dirty="0"/>
+          </a:p>
+          <a:p>
+            <a:pPr marL="742950" indent="-742950" defTabSz="822960">
+              <a:spcAft>
+                <a:spcPts val="600"/>
+              </a:spcAft>
+              <a:buFontTx/>
+              <a:buAutoNum type="arabicPeriod"/>
+            </a:pPr>
+            <a:r>
+              <a:rPr lang="en-US" altLang="zh-CN" sz="2400" dirty="0"/>
+              <a:t>Trained on CoCoDetection2017 </a:t>
+            </a:r>
+            <a:r>
+              <a:rPr lang="en-US" altLang="zh-CN" sz="2400" dirty="0">
+                <a:hlinkClick r:id="rId2"/>
+              </a:rPr>
+              <a:t>https://cocodataset.org/#home</a:t>
+            </a:r>
+            <a:r>
+              <a:rPr lang="en-US" altLang="zh-CN" sz="2400" dirty="0"/>
+              <a:t> </a:t>
+            </a:r>
+          </a:p>
+          <a:p>
+            <a:pPr marL="742950" indent="-742950" defTabSz="822960">
+              <a:spcAft>
+                <a:spcPts val="600"/>
+              </a:spcAft>
+              <a:buFontTx/>
+              <a:buAutoNum type="arabicPeriod"/>
+            </a:pPr>
+            <a:r>
+              <a:rPr lang="en-US" altLang="zh-CN" sz="2400" dirty="0"/>
+              <a:t>Choose Pretrained EfficientNetC2_m as baseline (without Frozen layer)</a:t>
+            </a:r>
+          </a:p>
+          <a:p>
+            <a:pPr marL="742950" indent="-742950" defTabSz="822960">
+              <a:spcAft>
+                <a:spcPts val="600"/>
+              </a:spcAft>
+              <a:buFontTx/>
+              <a:buAutoNum type="arabicPeriod"/>
+            </a:pPr>
+            <a:r>
+              <a:rPr lang="en-US" altLang="zh-CN" sz="2400" dirty="0"/>
+              <a:t>First training Lr 1e-5, epoch 30, batch size=64 , mAP~77.0%</a:t>
+            </a:r>
+          </a:p>
+          <a:p>
+            <a:pPr marL="742950" indent="-742950" defTabSz="822960">
+              <a:spcAft>
+                <a:spcPts val="600"/>
+              </a:spcAft>
+              <a:buFontTx/>
+              <a:buAutoNum type="arabicPeriod"/>
+            </a:pPr>
+            <a:r>
+              <a:rPr lang="en-US" altLang="zh-CN" sz="2400" dirty="0"/>
+              <a:t>Finetune training Lr 5e-6~1e-8, epoch 20, batch size=64 , mAP~78.2%</a:t>
+            </a:r>
+          </a:p>
+          <a:p>
+            <a:pPr marL="742950" indent="-742950" defTabSz="822960">
+              <a:spcAft>
+                <a:spcPts val="600"/>
+              </a:spcAft>
+              <a:buFontTx/>
+              <a:buAutoNum type="arabicPeriod"/>
+            </a:pPr>
+            <a:endParaRPr lang="en-US" altLang="zh-CN" sz="2400" dirty="0"/>
+          </a:p>
+          <a:p>
+            <a:pPr marL="742950" indent="-742950" defTabSz="822960">
+              <a:spcAft>
+                <a:spcPts val="600"/>
+              </a:spcAft>
+              <a:buFontTx/>
+              <a:buAutoNum type="arabicPeriod"/>
+            </a:pPr>
+            <a:endParaRPr lang="en-US" altLang="zh-CN" sz="2400" dirty="0"/>
+          </a:p>
+          <a:p>
+            <a:pPr marL="742950" indent="-742950" defTabSz="822960">
+              <a:spcAft>
+                <a:spcPts val="600"/>
+              </a:spcAft>
+              <a:buFontTx/>
+              <a:buAutoNum type="arabicPeriod"/>
+            </a:pPr>
+            <a:endParaRPr lang="en-US" altLang="zh-CN" sz="2400" dirty="0"/>
+          </a:p>
+          <a:p>
+            <a:pPr marL="742950" indent="-742950" defTabSz="822960">
+              <a:spcAft>
+                <a:spcPts val="600"/>
+              </a:spcAft>
+              <a:buFontTx/>
+              <a:buAutoNum type="arabicPeriod"/>
+            </a:pPr>
+            <a:endParaRPr lang="en-US" altLang="zh-CN" sz="2400" dirty="0"/>
+          </a:p>
+          <a:p>
+            <a:pPr marL="742950" indent="-742950" defTabSz="822960">
+              <a:spcAft>
+                <a:spcPts val="600"/>
+              </a:spcAft>
+              <a:buFontTx/>
+              <a:buAutoNum type="arabicPeriod"/>
+            </a:pPr>
+            <a:endParaRPr lang="en-US" altLang="zh-CN" sz="2400" dirty="0"/>
+          </a:p>
+          <a:p>
+            <a:pPr marL="742950" indent="-742950" defTabSz="822960">
+              <a:spcAft>
+                <a:spcPts val="600"/>
+              </a:spcAft>
+              <a:buFontTx/>
+              <a:buAutoNum type="arabicPeriod"/>
+            </a:pPr>
+            <a:endParaRPr lang="en-US" altLang="zh-CN" sz="2400" dirty="0"/>
+          </a:p>
+        </p:txBody>
+      </p:sp>
+      <p:pic>
+        <p:nvPicPr>
+          <p:cNvPr id="6" name="Picture 5">
+            <a:extLst>
+              <a:ext uri="{FF2B5EF4-FFF2-40B4-BE49-F238E27FC236}">
+                <a16:creationId xmlns:a16="http://schemas.microsoft.com/office/drawing/2014/main" id="{5229B604-0AEC-CB93-B5C8-4F79DC5D2B6E}"/>
+              </a:ext>
+            </a:extLst>
+          </p:cNvPr>
+          <p:cNvPicPr>
+            <a:picLocks noChangeAspect="1"/>
+          </p:cNvPicPr>
+          <p:nvPr/>
+        </p:nvPicPr>
+        <p:blipFill>
+          <a:blip r:embed="rId3"/>
+          <a:stretch>
+            <a:fillRect/>
+          </a:stretch>
+        </p:blipFill>
+        <p:spPr>
+          <a:xfrm>
+            <a:off x="10181317" y="365125"/>
+            <a:ext cx="1882720" cy="5811838"/>
+          </a:xfrm>
+          <a:prstGeom prst="rect">
+            <a:avLst/>
+          </a:prstGeom>
+        </p:spPr>
+      </p:pic>
+    </p:spTree>
+    <p:extLst>
+      <p:ext uri="{BB962C8B-B14F-4D97-AF65-F5344CB8AC3E}">
+        <p14:creationId xmlns:p14="http://schemas.microsoft.com/office/powerpoint/2010/main" val="2941121167"/>
+      </p:ext>
+    </p:extLst>
+  </p:cSld>
+  <p:clrMapOvr>
+    <a:masterClrMapping/>
+  </p:clrMapOvr>
+</p:sld>
+</file>
+
+<file path=ppt/slides/slide11.xml><?xml version="1.0" encoding="utf-8"?>
+<p:sld xmlns:a="http://schemas.openxmlformats.org/drawingml/2006/main" xmlns:r="http://schemas.openxmlformats.org/officeDocument/2006/relationships" xmlns:p="http://schemas.openxmlformats.org/presentationml/2006/main">
+  <p:cSld>
+    <p:spTree>
+      <p:nvGrpSpPr>
+        <p:cNvPr id="1" name="">
+          <a:extLst>
+            <a:ext uri="{FF2B5EF4-FFF2-40B4-BE49-F238E27FC236}">
+              <a16:creationId xmlns:a16="http://schemas.microsoft.com/office/drawing/2014/main" id="{09332578-2063-2B5C-3159-5ACB12990B64}"/>
+            </a:ext>
+          </a:extLst>
+        </p:cNvPr>
+        <p:cNvGrpSpPr/>
+        <p:nvPr/>
+      </p:nvGrpSpPr>
+      <p:grpSpPr>
+        <a:xfrm>
+          <a:off x="0" y="0"/>
+          <a:ext cx="0" cy="0"/>
+          <a:chOff x="0" y="0"/>
+          <a:chExt cx="0" cy="0"/>
+        </a:xfrm>
+      </p:grpSpPr>
+      <p:sp>
+        <p:nvSpPr>
+          <p:cNvPr id="2" name="Title 1">
+            <a:extLst>
+              <a:ext uri="{FF2B5EF4-FFF2-40B4-BE49-F238E27FC236}">
+                <a16:creationId xmlns:a16="http://schemas.microsoft.com/office/drawing/2014/main" id="{C8F17F53-B898-A7C5-EE0A-F07C2B43E244}"/>
+              </a:ext>
+            </a:extLst>
+          </p:cNvPr>
+          <p:cNvSpPr>
+            <a:spLocks noGrp="1"/>
+          </p:cNvSpPr>
+          <p:nvPr>
+            <p:ph type="title"/>
+          </p:nvPr>
+        </p:nvSpPr>
+        <p:spPr>
+          <a:xfrm>
+            <a:off x="838200" y="365125"/>
+            <a:ext cx="10515600" cy="1325563"/>
+          </a:xfrm>
+        </p:spPr>
+        <p:txBody>
+          <a:bodyPr>
+            <a:normAutofit/>
+          </a:bodyPr>
+          <a:lstStyle/>
+          <a:p>
+            <a:r>
+              <a:rPr lang="en-US" altLang="zh-CN" sz="5400" dirty="0"/>
+              <a:t>Task4-4 </a:t>
+            </a:r>
+            <a:r>
+              <a:rPr lang="en-US" altLang="zh-CN" sz="4000" dirty="0"/>
+              <a:t>Multi-Label Classification </a:t>
+            </a:r>
+            <a:endParaRPr lang="zh-CN" altLang="en-US" sz="4000" dirty="0"/>
+          </a:p>
+        </p:txBody>
+      </p:sp>
+      <p:sp>
+        <p:nvSpPr>
+          <p:cNvPr id="3" name="Content Placeholder 2">
+            <a:extLst>
+              <a:ext uri="{FF2B5EF4-FFF2-40B4-BE49-F238E27FC236}">
+                <a16:creationId xmlns:a16="http://schemas.microsoft.com/office/drawing/2014/main" id="{CDA0CE60-C656-1483-34C9-E3E15E291B32}"/>
+              </a:ext>
+            </a:extLst>
+          </p:cNvPr>
+          <p:cNvSpPr>
+            <a:spLocks/>
+          </p:cNvSpPr>
+          <p:nvPr/>
+        </p:nvSpPr>
+        <p:spPr>
+          <a:xfrm>
+            <a:off x="1324502" y="2228087"/>
             <a:ext cx="9542996" cy="3948876"/>
           </a:xfrm>
           <a:prstGeom prst="rect">
@@ -4154,19 +4468,36 @@
               </a:spcAft>
               <a:buAutoNum type="arabicPeriod"/>
             </a:pPr>
-            <a:r>
-              <a:rPr lang="en-US" altLang="zh-CN" sz="2400" dirty="0"/>
-              <a:t>Model modified from previous pretrained </a:t>
-            </a:r>
-            <a:r>
-              <a:rPr lang="en-US" altLang="zh-CN" sz="2400" dirty="0" err="1"/>
-              <a:t>modelChange</a:t>
-            </a:r>
-            <a:r>
-              <a:rPr lang="en-US" altLang="zh-CN" sz="2400" dirty="0"/>
-              <a:t> </a:t>
-            </a:r>
-          </a:p>
+            <a:endParaRPr lang="zh-CN" altLang="en-US" sz="3600" dirty="0"/>
+          </a:p>
+        </p:txBody>
+      </p:sp>
+      <p:sp>
+        <p:nvSpPr>
+          <p:cNvPr id="5" name="Content Placeholder 2">
+            <a:extLst>
+              <a:ext uri="{FF2B5EF4-FFF2-40B4-BE49-F238E27FC236}">
+                <a16:creationId xmlns:a16="http://schemas.microsoft.com/office/drawing/2014/main" id="{04D99C5C-EB04-640C-7875-877BE601459F}"/>
+              </a:ext>
+            </a:extLst>
+          </p:cNvPr>
+          <p:cNvSpPr>
+            <a:spLocks/>
+          </p:cNvSpPr>
+          <p:nvPr/>
+        </p:nvSpPr>
+        <p:spPr>
+          <a:xfrm>
+            <a:off x="875286" y="1690688"/>
+            <a:ext cx="9542996" cy="3948876"/>
+          </a:xfrm>
+          <a:prstGeom prst="rect">
+            <a:avLst/>
+          </a:prstGeom>
+        </p:spPr>
+        <p:txBody>
+          <a:bodyPr/>
+          <a:lstStyle/>
           <a:p>
             <a:pPr marL="742950" indent="-742950" defTabSz="822960">
               <a:spcAft>
@@ -4176,15 +4507,7 @@
             </a:pPr>
             <a:r>
               <a:rPr lang="en-US" altLang="zh-CN" sz="2400" dirty="0"/>
-              <a:t>loss function from </a:t>
-            </a:r>
-            <a:r>
-              <a:rPr lang="en-US" altLang="zh-CN" sz="2400" dirty="0" err="1"/>
-              <a:t>Softmax</a:t>
-            </a:r>
-            <a:r>
-              <a:rPr lang="en-US" altLang="zh-CN" sz="2400" dirty="0"/>
-              <a:t> CE to BCE with logits(BCE with sigmoid)</a:t>
+              <a:t>Coded by flask , imgclf_api.py</a:t>
             </a:r>
           </a:p>
           <a:p>
@@ -4192,66 +4515,139 @@
               <a:spcAft>
                 <a:spcPts val="600"/>
               </a:spcAft>
-              <a:buFontTx/>
               <a:buAutoNum type="arabicPeriod"/>
             </a:pPr>
             <a:r>
               <a:rPr lang="en-US" altLang="zh-CN" sz="2400" dirty="0"/>
-              <a:t>Trained on </a:t>
-            </a:r>
-            <a:r>
-              <a:rPr lang="en-US" altLang="zh-CN" sz="2400" dirty="0" err="1"/>
-              <a:t>CoCo</a:t>
-            </a:r>
-            <a:r>
-              <a:rPr lang="en-US" altLang="zh-CN" sz="2400" dirty="0"/>
-              <a:t> detection dataset </a:t>
-            </a:r>
-            <a:r>
-              <a:rPr lang="en-US" altLang="zh-CN" sz="2400" dirty="0">
-                <a:hlinkClick r:id="rId2"/>
-              </a:rPr>
-              <a:t>https://cocodataset.org/#home</a:t>
-            </a:r>
-            <a:r>
-              <a:rPr lang="en-US" altLang="zh-CN" sz="2400" dirty="0"/>
-              <a:t> </a:t>
-            </a:r>
-          </a:p>
-          <a:p>
-            <a:pPr marL="742950" indent="-742950" defTabSz="822960">
-              <a:spcAft>
-                <a:spcPts val="600"/>
-              </a:spcAft>
-              <a:buFontTx/>
-              <a:buAutoNum type="arabicPeriod"/>
-            </a:pPr>
-            <a:r>
-              <a:rPr lang="en-US" altLang="zh-CN" sz="2400" dirty="0"/>
-              <a:t>Choose EfficientNetC2_m </a:t>
-            </a:r>
-            <a:r>
-              <a:rPr lang="en-US" altLang="zh-CN" sz="2400"/>
-              <a:t>as baseline</a:t>
-            </a:r>
-            <a:endParaRPr lang="en-US" altLang="zh-CN" sz="2400" dirty="0"/>
-          </a:p>
-          <a:p>
-            <a:pPr marL="742950" indent="-742950" defTabSz="822960">
-              <a:spcAft>
-                <a:spcPts val="600"/>
-              </a:spcAft>
-              <a:buFontTx/>
-              <a:buAutoNum type="arabicPeriod"/>
-            </a:pPr>
-            <a:endParaRPr lang="en-US" altLang="zh-CN" sz="2400" dirty="0"/>
+              <a:t>Model trained on CoCoDetection2017</a:t>
+            </a:r>
           </a:p>
         </p:txBody>
       </p:sp>
+      <p:pic>
+        <p:nvPicPr>
+          <p:cNvPr id="9" name="Picture 8">
+            <a:extLst>
+              <a:ext uri="{FF2B5EF4-FFF2-40B4-BE49-F238E27FC236}">
+                <a16:creationId xmlns:a16="http://schemas.microsoft.com/office/drawing/2014/main" id="{D0490682-796F-7871-0927-F5A6EDE4F2F3}"/>
+              </a:ext>
+            </a:extLst>
+          </p:cNvPr>
+          <p:cNvPicPr>
+            <a:picLocks noChangeAspect="1"/>
+          </p:cNvPicPr>
+          <p:nvPr/>
+        </p:nvPicPr>
+        <p:blipFill>
+          <a:blip r:embed="rId2"/>
+          <a:stretch>
+            <a:fillRect/>
+          </a:stretch>
+        </p:blipFill>
+        <p:spPr>
+          <a:xfrm>
+            <a:off x="720994" y="3093525"/>
+            <a:ext cx="2902219" cy="2657993"/>
+          </a:xfrm>
+          <a:prstGeom prst="rect">
+            <a:avLst/>
+          </a:prstGeom>
+        </p:spPr>
+      </p:pic>
+      <p:pic>
+        <p:nvPicPr>
+          <p:cNvPr id="13" name="Picture 12">
+            <a:extLst>
+              <a:ext uri="{FF2B5EF4-FFF2-40B4-BE49-F238E27FC236}">
+                <a16:creationId xmlns:a16="http://schemas.microsoft.com/office/drawing/2014/main" id="{03CF7FBC-0645-CC19-D876-D058D0B314E7}"/>
+              </a:ext>
+            </a:extLst>
+          </p:cNvPr>
+          <p:cNvPicPr>
+            <a:picLocks noChangeAspect="1"/>
+          </p:cNvPicPr>
+          <p:nvPr/>
+        </p:nvPicPr>
+        <p:blipFill>
+          <a:blip r:embed="rId3"/>
+          <a:stretch>
+            <a:fillRect/>
+          </a:stretch>
+        </p:blipFill>
+        <p:spPr>
+          <a:xfrm>
+            <a:off x="3876487" y="3168169"/>
+            <a:ext cx="2308008" cy="2508704"/>
+          </a:xfrm>
+          <a:prstGeom prst="rect">
+            <a:avLst/>
+          </a:prstGeom>
+        </p:spPr>
+      </p:pic>
+      <p:pic>
+        <p:nvPicPr>
+          <p:cNvPr id="15" name="Picture 14">
+            <a:extLst>
+              <a:ext uri="{FF2B5EF4-FFF2-40B4-BE49-F238E27FC236}">
+                <a16:creationId xmlns:a16="http://schemas.microsoft.com/office/drawing/2014/main" id="{B62D3F97-B5BF-5FA4-458C-3BE12B9BBFD0}"/>
+              </a:ext>
+            </a:extLst>
+          </p:cNvPr>
+          <p:cNvPicPr>
+            <a:picLocks noChangeAspect="1"/>
+          </p:cNvPicPr>
+          <p:nvPr/>
+        </p:nvPicPr>
+        <p:blipFill>
+          <a:blip r:embed="rId4"/>
+          <a:stretch>
+            <a:fillRect/>
+          </a:stretch>
+        </p:blipFill>
+        <p:spPr>
+          <a:xfrm>
+            <a:off x="6788003" y="3168169"/>
+            <a:ext cx="2067497" cy="2229834"/>
+          </a:xfrm>
+          <a:prstGeom prst="rect">
+            <a:avLst/>
+          </a:prstGeom>
+        </p:spPr>
+      </p:pic>
+      <p:pic>
+        <p:nvPicPr>
+          <p:cNvPr id="17" name="Picture 16">
+            <a:extLst>
+              <a:ext uri="{FF2B5EF4-FFF2-40B4-BE49-F238E27FC236}">
+                <a16:creationId xmlns:a16="http://schemas.microsoft.com/office/drawing/2014/main" id="{6DB79E44-D02A-488F-7DED-C93989911D27}"/>
+              </a:ext>
+            </a:extLst>
+          </p:cNvPr>
+          <p:cNvPicPr>
+            <a:picLocks noChangeAspect="1"/>
+          </p:cNvPicPr>
+          <p:nvPr/>
+        </p:nvPicPr>
+        <p:blipFill>
+          <a:blip r:embed="rId5"/>
+          <a:stretch>
+            <a:fillRect/>
+          </a:stretch>
+        </p:blipFill>
+        <p:spPr>
+          <a:xfrm>
+            <a:off x="9192830" y="2988669"/>
+            <a:ext cx="2759488" cy="2867704"/>
+          </a:xfrm>
+          <a:prstGeom prst="rect">
+            <a:avLst/>
+          </a:prstGeom>
+        </p:spPr>
+      </p:pic>
     </p:spTree>
     <p:extLst>
       <p:ext uri="{BB962C8B-B14F-4D97-AF65-F5344CB8AC3E}">
-        <p14:creationId xmlns:p14="http://schemas.microsoft.com/office/powerpoint/2010/main" val="2941121167"/>
+        <p14:creationId xmlns:p14="http://schemas.microsoft.com/office/powerpoint/2010/main" val="1325913980"/>
       </p:ext>
     </p:extLst>
   </p:cSld>

--- a/ties4911-task04-YanrenQu.pptx
+++ b/ties4911-task04-YanrenQu.pptx
@@ -271,7 +271,7 @@
           <a:p>
             <a:fld id="{83B9429A-B113-43DA-B97D-80749B2023C3}" type="datetimeFigureOut">
               <a:rPr lang="zh-CN" altLang="en-US" smtClean="0"/>
-              <a:t>2024/2/29</a:t>
+              <a:t>2024/3/1</a:t>
             </a:fld>
             <a:endParaRPr lang="zh-CN" altLang="en-US"/>
           </a:p>
@@ -471,7 +471,7 @@
           <a:p>
             <a:fld id="{83B9429A-B113-43DA-B97D-80749B2023C3}" type="datetimeFigureOut">
               <a:rPr lang="zh-CN" altLang="en-US" smtClean="0"/>
-              <a:t>2024/2/29</a:t>
+              <a:t>2024/3/1</a:t>
             </a:fld>
             <a:endParaRPr lang="zh-CN" altLang="en-US"/>
           </a:p>
@@ -681,7 +681,7 @@
           <a:p>
             <a:fld id="{83B9429A-B113-43DA-B97D-80749B2023C3}" type="datetimeFigureOut">
               <a:rPr lang="zh-CN" altLang="en-US" smtClean="0"/>
-              <a:t>2024/2/29</a:t>
+              <a:t>2024/3/1</a:t>
             </a:fld>
             <a:endParaRPr lang="zh-CN" altLang="en-US"/>
           </a:p>
@@ -881,7 +881,7 @@
           <a:p>
             <a:fld id="{83B9429A-B113-43DA-B97D-80749B2023C3}" type="datetimeFigureOut">
               <a:rPr lang="zh-CN" altLang="en-US" smtClean="0"/>
-              <a:t>2024/2/29</a:t>
+              <a:t>2024/3/1</a:t>
             </a:fld>
             <a:endParaRPr lang="zh-CN" altLang="en-US"/>
           </a:p>
@@ -1157,7 +1157,7 @@
           <a:p>
             <a:fld id="{83B9429A-B113-43DA-B97D-80749B2023C3}" type="datetimeFigureOut">
               <a:rPr lang="zh-CN" altLang="en-US" smtClean="0"/>
-              <a:t>2024/2/29</a:t>
+              <a:t>2024/3/1</a:t>
             </a:fld>
             <a:endParaRPr lang="zh-CN" altLang="en-US"/>
           </a:p>
@@ -1425,7 +1425,7 @@
           <a:p>
             <a:fld id="{83B9429A-B113-43DA-B97D-80749B2023C3}" type="datetimeFigureOut">
               <a:rPr lang="zh-CN" altLang="en-US" smtClean="0"/>
-              <a:t>2024/2/29</a:t>
+              <a:t>2024/3/1</a:t>
             </a:fld>
             <a:endParaRPr lang="zh-CN" altLang="en-US"/>
           </a:p>
@@ -1840,7 +1840,7 @@
           <a:p>
             <a:fld id="{83B9429A-B113-43DA-B97D-80749B2023C3}" type="datetimeFigureOut">
               <a:rPr lang="zh-CN" altLang="en-US" smtClean="0"/>
-              <a:t>2024/2/29</a:t>
+              <a:t>2024/3/1</a:t>
             </a:fld>
             <a:endParaRPr lang="zh-CN" altLang="en-US"/>
           </a:p>
@@ -1982,7 +1982,7 @@
           <a:p>
             <a:fld id="{83B9429A-B113-43DA-B97D-80749B2023C3}" type="datetimeFigureOut">
               <a:rPr lang="zh-CN" altLang="en-US" smtClean="0"/>
-              <a:t>2024/2/29</a:t>
+              <a:t>2024/3/1</a:t>
             </a:fld>
             <a:endParaRPr lang="zh-CN" altLang="en-US"/>
           </a:p>
@@ -2095,7 +2095,7 @@
           <a:p>
             <a:fld id="{83B9429A-B113-43DA-B97D-80749B2023C3}" type="datetimeFigureOut">
               <a:rPr lang="zh-CN" altLang="en-US" smtClean="0"/>
-              <a:t>2024/2/29</a:t>
+              <a:t>2024/3/1</a:t>
             </a:fld>
             <a:endParaRPr lang="zh-CN" altLang="en-US"/>
           </a:p>
@@ -2408,7 +2408,7 @@
           <a:p>
             <a:fld id="{83B9429A-B113-43DA-B97D-80749B2023C3}" type="datetimeFigureOut">
               <a:rPr lang="zh-CN" altLang="en-US" smtClean="0"/>
-              <a:t>2024/2/29</a:t>
+              <a:t>2024/3/1</a:t>
             </a:fld>
             <a:endParaRPr lang="zh-CN" altLang="en-US"/>
           </a:p>
@@ -2697,7 +2697,7 @@
           <a:p>
             <a:fld id="{83B9429A-B113-43DA-B97D-80749B2023C3}" type="datetimeFigureOut">
               <a:rPr lang="zh-CN" altLang="en-US" smtClean="0"/>
-              <a:t>2024/2/29</a:t>
+              <a:t>2024/3/1</a:t>
             </a:fld>
             <a:endParaRPr lang="zh-CN" altLang="en-US"/>
           </a:p>
@@ -2940,7 +2940,7 @@
           <a:p>
             <a:fld id="{83B9429A-B113-43DA-B97D-80749B2023C3}" type="datetimeFigureOut">
               <a:rPr lang="zh-CN" altLang="en-US" smtClean="0"/>
-              <a:t>2024/2/29</a:t>
+              <a:t>2024/3/1</a:t>
             </a:fld>
             <a:endParaRPr lang="zh-CN" altLang="en-US"/>
           </a:p>
@@ -4157,15 +4157,7 @@
             </a:pPr>
             <a:r>
               <a:rPr lang="en-US" altLang="zh-CN" sz="2400" dirty="0"/>
-              <a:t>Model modified from previous pretrained </a:t>
-            </a:r>
-            <a:r>
-              <a:rPr lang="en-US" altLang="zh-CN" sz="2400" dirty="0" err="1"/>
-              <a:t>modelChange</a:t>
-            </a:r>
-            <a:r>
-              <a:rPr lang="en-US" altLang="zh-CN" sz="2400" dirty="0"/>
-              <a:t> </a:t>
+              <a:t>Model modified from previous pretrained model</a:t>
             </a:r>
           </a:p>
           <a:p>
@@ -4177,7 +4169,7 @@
             </a:pPr>
             <a:r>
               <a:rPr lang="en-US" altLang="zh-CN" sz="2400" dirty="0"/>
-              <a:t>loss function from </a:t>
+              <a:t>Change loss function from </a:t>
             </a:r>
             <a:r>
               <a:rPr lang="en-US" altLang="zh-CN" sz="2400" dirty="0" err="1"/>
@@ -4351,7 +4343,7 @@
         </p:blipFill>
         <p:spPr>
           <a:xfrm>
-            <a:off x="10181317" y="365125"/>
+            <a:off x="10277816" y="365125"/>
             <a:ext cx="1882720" cy="5811838"/>
           </a:xfrm>
           <a:prstGeom prst="rect">
@@ -4606,8 +4598,8 @@
         </p:blipFill>
         <p:spPr>
           <a:xfrm>
-            <a:off x="6788003" y="3168169"/>
-            <a:ext cx="2067497" cy="2229834"/>
+            <a:off x="6606024" y="3262288"/>
+            <a:ext cx="2308008" cy="2489230"/>
           </a:xfrm>
           <a:prstGeom prst="rect">
             <a:avLst/>
@@ -4636,7 +4628,7 @@
         </p:blipFill>
         <p:spPr>
           <a:xfrm>
-            <a:off x="9192830" y="2988669"/>
+            <a:off x="9335561" y="3016251"/>
             <a:ext cx="2759488" cy="2867704"/>
           </a:xfrm>
           <a:prstGeom prst="rect">
@@ -11534,7 +11526,7 @@
         </p:blipFill>
         <p:spPr>
           <a:xfrm>
-            <a:off x="3967708" y="2737412"/>
+            <a:off x="3988733" y="2890309"/>
             <a:ext cx="3056778" cy="3476624"/>
           </a:xfrm>
           <a:prstGeom prst="rect">
@@ -11564,7 +11556,7 @@
         </p:blipFill>
         <p:spPr>
           <a:xfrm>
-            <a:off x="7184114" y="2737412"/>
+            <a:off x="7403553" y="2859844"/>
             <a:ext cx="3291400" cy="3629521"/>
           </a:xfrm>
           <a:prstGeom prst="rect">
